--- a/Session 1 - Programing with Python/Introduction Slides.pptx
+++ b/Session 1 - Programing with Python/Introduction Slides.pptx
@@ -1126,7 +1126,7 @@
         <a:p>
           <a:r>
             <a:rPr lang="en-US" dirty="0"/>
-            <a:t>Handout</a:t>
+            <a:t>Handbook</a:t>
           </a:r>
         </a:p>
       </dgm:t>
@@ -1464,12 +1464,12 @@
         </a:fontRef>
       </dsp:style>
       <dsp:txBody>
-        <a:bodyPr spcFirstLastPara="0" vert="horz" wrap="square" lIns="355600" tIns="355600" rIns="355600" bIns="355600" numCol="1" spcCol="1270" anchor="t" anchorCtr="0">
+        <a:bodyPr spcFirstLastPara="0" vert="horz" wrap="square" lIns="312928" tIns="312928" rIns="312928" bIns="312928" numCol="1" spcCol="1270" anchor="t" anchorCtr="0">
           <a:noAutofit/>
         </a:bodyPr>
         <a:lstStyle/>
         <a:p>
-          <a:pPr marL="0" lvl="0" indent="0" algn="l" defTabSz="2222500">
+          <a:pPr marL="0" lvl="0" indent="0" algn="l" defTabSz="1955800">
             <a:lnSpc>
               <a:spcPct val="90000"/>
             </a:lnSpc>
@@ -1482,12 +1482,12 @@
             <a:buNone/>
           </a:pPr>
           <a:r>
-            <a:rPr lang="en-US" sz="5000" kern="1200" dirty="0"/>
+            <a:rPr lang="en-US" sz="4400" kern="1200" dirty="0"/>
             <a:t>Tutors</a:t>
           </a:r>
         </a:p>
         <a:p>
-          <a:pPr marL="285750" lvl="1" indent="-285750" algn="l" defTabSz="1733550">
+          <a:pPr marL="285750" lvl="1" indent="-285750" algn="l" defTabSz="1511300">
             <a:lnSpc>
               <a:spcPct val="90000"/>
             </a:lnSpc>
@@ -1499,7 +1499,7 @@
             </a:spcAft>
             <a:buChar char="•"/>
           </a:pPr>
-          <a:endParaRPr lang="en-US" sz="3900" kern="1200" dirty="0"/>
+          <a:endParaRPr lang="en-US" sz="3400" kern="1200" dirty="0"/>
         </a:p>
       </dsp:txBody>
       <dsp:txXfrm rot="10800000">
@@ -1608,12 +1608,12 @@
         </a:fontRef>
       </dsp:style>
       <dsp:txBody>
-        <a:bodyPr spcFirstLastPara="0" vert="horz" wrap="square" lIns="355600" tIns="355600" rIns="355600" bIns="355600" numCol="1" spcCol="1270" anchor="t" anchorCtr="0">
+        <a:bodyPr spcFirstLastPara="0" vert="horz" wrap="square" lIns="312928" tIns="312928" rIns="312928" bIns="312928" numCol="1" spcCol="1270" anchor="t" anchorCtr="0">
           <a:noAutofit/>
         </a:bodyPr>
         <a:lstStyle/>
         <a:p>
-          <a:pPr marL="0" lvl="0" indent="0" algn="ctr" defTabSz="2222500">
+          <a:pPr marL="0" lvl="0" indent="0" algn="ctr" defTabSz="1955800">
             <a:lnSpc>
               <a:spcPct val="90000"/>
             </a:lnSpc>
@@ -1626,7 +1626,7 @@
             <a:buNone/>
           </a:pPr>
           <a:r>
-            <a:rPr lang="en-US" sz="5000" kern="1200" dirty="0"/>
+            <a:rPr lang="en-US" sz="4400" kern="1200" dirty="0"/>
             <a:t>Website</a:t>
           </a:r>
         </a:p>
@@ -1737,12 +1737,12 @@
         </a:fontRef>
       </dsp:style>
       <dsp:txBody>
-        <a:bodyPr spcFirstLastPara="0" vert="horz" wrap="square" lIns="355600" tIns="355600" rIns="355600" bIns="355600" numCol="1" spcCol="1270" anchor="t" anchorCtr="0">
+        <a:bodyPr spcFirstLastPara="0" vert="horz" wrap="square" lIns="312928" tIns="312928" rIns="312928" bIns="312928" numCol="1" spcCol="1270" anchor="t" anchorCtr="0">
           <a:noAutofit/>
         </a:bodyPr>
         <a:lstStyle/>
         <a:p>
-          <a:pPr marL="0" lvl="0" indent="0" algn="ctr" defTabSz="2222500">
+          <a:pPr marL="0" lvl="0" indent="0" algn="ctr" defTabSz="1955800">
             <a:lnSpc>
               <a:spcPct val="90000"/>
             </a:lnSpc>
@@ -1755,8 +1755,8 @@
             <a:buNone/>
           </a:pPr>
           <a:r>
-            <a:rPr lang="en-US" sz="5000" kern="1200" dirty="0"/>
-            <a:t>Handout</a:t>
+            <a:rPr lang="en-US" sz="4400" kern="1200" dirty="0"/>
+            <a:t>Handbook</a:t>
           </a:r>
         </a:p>
       </dsp:txBody>
@@ -3074,7 +3074,7 @@
           <a:p>
             <a:fld id="{F4A947EE-A121-42C9-ABDB-BDC9D4DE20E1}" type="datetimeFigureOut">
               <a:rPr lang="en-GB" smtClean="0"/>
-              <a:t>24/06/2017</a:t>
+              <a:t>04/07/2017</a:t>
             </a:fld>
             <a:endParaRPr lang="en-GB"/>
           </a:p>
@@ -3621,7 +3621,7 @@
           <a:p>
             <a:fld id="{2510991C-534D-4766-BDB3-463820CE304D}" type="datetimeFigureOut">
               <a:rPr lang="en-GB" smtClean="0"/>
-              <a:t>24/06/2017</a:t>
+              <a:t>04/07/2017</a:t>
             </a:fld>
             <a:endParaRPr lang="en-GB"/>
           </a:p>
@@ -3811,7 +3811,7 @@
           <a:p>
             <a:fld id="{2510991C-534D-4766-BDB3-463820CE304D}" type="datetimeFigureOut">
               <a:rPr lang="en-GB" smtClean="0"/>
-              <a:t>24/06/2017</a:t>
+              <a:t>04/07/2017</a:t>
             </a:fld>
             <a:endParaRPr lang="en-GB"/>
           </a:p>
@@ -3991,7 +3991,7 @@
           <a:p>
             <a:fld id="{2510991C-534D-4766-BDB3-463820CE304D}" type="datetimeFigureOut">
               <a:rPr lang="en-GB" smtClean="0"/>
-              <a:t>24/06/2017</a:t>
+              <a:t>04/07/2017</a:t>
             </a:fld>
             <a:endParaRPr lang="en-GB"/>
           </a:p>
@@ -4161,7 +4161,7 @@
           <a:p>
             <a:fld id="{2510991C-534D-4766-BDB3-463820CE304D}" type="datetimeFigureOut">
               <a:rPr lang="en-GB" smtClean="0"/>
-              <a:t>24/06/2017</a:t>
+              <a:t>04/07/2017</a:t>
             </a:fld>
             <a:endParaRPr lang="en-GB"/>
           </a:p>
@@ -4417,7 +4417,7 @@
           <a:p>
             <a:fld id="{2510991C-534D-4766-BDB3-463820CE304D}" type="datetimeFigureOut">
               <a:rPr lang="en-GB" smtClean="0"/>
-              <a:t>24/06/2017</a:t>
+              <a:t>04/07/2017</a:t>
             </a:fld>
             <a:endParaRPr lang="en-GB"/>
           </a:p>
@@ -4705,7 +4705,7 @@
           <a:p>
             <a:fld id="{2510991C-534D-4766-BDB3-463820CE304D}" type="datetimeFigureOut">
               <a:rPr lang="en-GB" smtClean="0"/>
-              <a:t>24/06/2017</a:t>
+              <a:t>04/07/2017</a:t>
             </a:fld>
             <a:endParaRPr lang="en-GB"/>
           </a:p>
@@ -5143,7 +5143,7 @@
           <a:p>
             <a:fld id="{2510991C-534D-4766-BDB3-463820CE304D}" type="datetimeFigureOut">
               <a:rPr lang="en-GB" smtClean="0"/>
-              <a:t>24/06/2017</a:t>
+              <a:t>04/07/2017</a:t>
             </a:fld>
             <a:endParaRPr lang="en-GB"/>
           </a:p>
@@ -5261,7 +5261,7 @@
           <a:p>
             <a:fld id="{2510991C-534D-4766-BDB3-463820CE304D}" type="datetimeFigureOut">
               <a:rPr lang="en-GB" smtClean="0"/>
-              <a:t>24/06/2017</a:t>
+              <a:t>04/07/2017</a:t>
             </a:fld>
             <a:endParaRPr lang="en-GB"/>
           </a:p>
@@ -5356,7 +5356,7 @@
           <a:p>
             <a:fld id="{2510991C-534D-4766-BDB3-463820CE304D}" type="datetimeFigureOut">
               <a:rPr lang="en-GB" smtClean="0"/>
-              <a:t>24/06/2017</a:t>
+              <a:t>04/07/2017</a:t>
             </a:fld>
             <a:endParaRPr lang="en-GB"/>
           </a:p>
@@ -5712,7 +5712,7 @@
           <a:p>
             <a:fld id="{2510991C-534D-4766-BDB3-463820CE304D}" type="datetimeFigureOut">
               <a:rPr lang="en-GB" smtClean="0"/>
-              <a:t>24/06/2017</a:t>
+              <a:t>04/07/2017</a:t>
             </a:fld>
             <a:endParaRPr lang="en-GB"/>
           </a:p>
@@ -6020,7 +6020,7 @@
           <a:p>
             <a:fld id="{2510991C-534D-4766-BDB3-463820CE304D}" type="datetimeFigureOut">
               <a:rPr lang="en-GB" smtClean="0"/>
-              <a:t>24/06/2017</a:t>
+              <a:t>04/07/2017</a:t>
             </a:fld>
             <a:endParaRPr lang="en-GB"/>
           </a:p>
@@ -6256,7 +6256,7 @@
           <a:p>
             <a:fld id="{2510991C-534D-4766-BDB3-463820CE304D}" type="datetimeFigureOut">
               <a:rPr lang="en-GB" smtClean="0"/>
-              <a:t>24/06/2017</a:t>
+              <a:t>04/07/2017</a:t>
             </a:fld>
             <a:endParaRPr lang="en-GB"/>
           </a:p>
@@ -8175,7 +8175,7 @@
             <p:ph idx="1"/>
             <p:extLst>
               <p:ext uri="{D42A27DB-BD31-4B8C-83A1-F6EECF244321}">
-                <p14:modId xmlns:p14="http://schemas.microsoft.com/office/powerpoint/2010/main" val="164818087"/>
+                <p14:modId xmlns:p14="http://schemas.microsoft.com/office/powerpoint/2010/main" val="2806906985"/>
               </p:ext>
             </p:extLst>
           </p:nvPr>
@@ -9742,18 +9742,18 @@
 
 <file path=customXml/item1.xml><?xml version="1.0" encoding="utf-8"?>
 <Control xmlns="http://schemas.microsoft.com/VisualStudio/2011/storyboarding/control">
-  <Id Name="System.Storyboarding.Backgrounds.WebBrowser" Revision="1" Stencil="System.Storyboarding.Backgrounds" StencilVersion="0.1"/>
+  <Id Name="System.Storyboarding.Backgrounds.DesktopTaskbar" Revision="1" Stencil="System.Storyboarding.Backgrounds" StencilVersion="0.1"/>
 </Control>
 </file>
 
 <file path=customXml/item2.xml><?xml version="1.0" encoding="utf-8"?>
 <Control xmlns="http://schemas.microsoft.com/VisualStudio/2011/storyboarding/control">
-  <Id Name="System.Storyboarding.Backgrounds.DesktopTaskbar" Revision="1" Stencil="System.Storyboarding.Backgrounds" StencilVersion="0.1"/>
+  <Id Name="System.Storyboarding.Backgrounds.WebBrowser" Revision="1" Stencil="System.Storyboarding.Backgrounds" StencilVersion="0.1"/>
 </Control>
 </file>
 
 <file path=customXml/itemProps1.xml><?xml version="1.0" encoding="utf-8"?>
-<ds:datastoreItem xmlns:ds="http://schemas.openxmlformats.org/officeDocument/2006/customXml" ds:itemID="{C0AA30DE-6CBB-4586-BA23-16B50AD7EE0A}">
+<ds:datastoreItem xmlns:ds="http://schemas.openxmlformats.org/officeDocument/2006/customXml" ds:itemID="{2F22A196-DEB6-43B5-ACAB-ACB66E18493F}">
   <ds:schemaRefs>
     <ds:schemaRef ds:uri="http://schemas.microsoft.com/VisualStudio/2011/storyboarding/control"/>
   </ds:schemaRefs>
@@ -9761,7 +9761,7 @@
 </file>
 
 <file path=customXml/itemProps2.xml><?xml version="1.0" encoding="utf-8"?>
-<ds:datastoreItem xmlns:ds="http://schemas.openxmlformats.org/officeDocument/2006/customXml" ds:itemID="{2F22A196-DEB6-43B5-ACAB-ACB66E18493F}">
+<ds:datastoreItem xmlns:ds="http://schemas.openxmlformats.org/officeDocument/2006/customXml" ds:itemID="{C0AA30DE-6CBB-4586-BA23-16B50AD7EE0A}">
   <ds:schemaRefs>
     <ds:schemaRef ds:uri="http://schemas.microsoft.com/VisualStudio/2011/storyboarding/control"/>
   </ds:schemaRefs>

--- a/Session 1 - Programing with Python/Introduction Slides.pptx
+++ b/Session 1 - Programing with Python/Introduction Slides.pptx
@@ -3074,7 +3074,7 @@
           <a:p>
             <a:fld id="{F4A947EE-A121-42C9-ABDB-BDC9D4DE20E1}" type="datetimeFigureOut">
               <a:rPr lang="en-GB" smtClean="0"/>
-              <a:t>04/07/2017</a:t>
+              <a:t>05/07/2017</a:t>
             </a:fld>
             <a:endParaRPr lang="en-GB"/>
           </a:p>
@@ -3621,7 +3621,7 @@
           <a:p>
             <a:fld id="{2510991C-534D-4766-BDB3-463820CE304D}" type="datetimeFigureOut">
               <a:rPr lang="en-GB" smtClean="0"/>
-              <a:t>04/07/2017</a:t>
+              <a:t>05/07/2017</a:t>
             </a:fld>
             <a:endParaRPr lang="en-GB"/>
           </a:p>
@@ -3811,7 +3811,7 @@
           <a:p>
             <a:fld id="{2510991C-534D-4766-BDB3-463820CE304D}" type="datetimeFigureOut">
               <a:rPr lang="en-GB" smtClean="0"/>
-              <a:t>04/07/2017</a:t>
+              <a:t>05/07/2017</a:t>
             </a:fld>
             <a:endParaRPr lang="en-GB"/>
           </a:p>
@@ -3991,7 +3991,7 @@
           <a:p>
             <a:fld id="{2510991C-534D-4766-BDB3-463820CE304D}" type="datetimeFigureOut">
               <a:rPr lang="en-GB" smtClean="0"/>
-              <a:t>04/07/2017</a:t>
+              <a:t>05/07/2017</a:t>
             </a:fld>
             <a:endParaRPr lang="en-GB"/>
           </a:p>
@@ -4161,7 +4161,7 @@
           <a:p>
             <a:fld id="{2510991C-534D-4766-BDB3-463820CE304D}" type="datetimeFigureOut">
               <a:rPr lang="en-GB" smtClean="0"/>
-              <a:t>04/07/2017</a:t>
+              <a:t>05/07/2017</a:t>
             </a:fld>
             <a:endParaRPr lang="en-GB"/>
           </a:p>
@@ -4417,7 +4417,7 @@
           <a:p>
             <a:fld id="{2510991C-534D-4766-BDB3-463820CE304D}" type="datetimeFigureOut">
               <a:rPr lang="en-GB" smtClean="0"/>
-              <a:t>04/07/2017</a:t>
+              <a:t>05/07/2017</a:t>
             </a:fld>
             <a:endParaRPr lang="en-GB"/>
           </a:p>
@@ -4705,7 +4705,7 @@
           <a:p>
             <a:fld id="{2510991C-534D-4766-BDB3-463820CE304D}" type="datetimeFigureOut">
               <a:rPr lang="en-GB" smtClean="0"/>
-              <a:t>04/07/2017</a:t>
+              <a:t>05/07/2017</a:t>
             </a:fld>
             <a:endParaRPr lang="en-GB"/>
           </a:p>
@@ -5143,7 +5143,7 @@
           <a:p>
             <a:fld id="{2510991C-534D-4766-BDB3-463820CE304D}" type="datetimeFigureOut">
               <a:rPr lang="en-GB" smtClean="0"/>
-              <a:t>04/07/2017</a:t>
+              <a:t>05/07/2017</a:t>
             </a:fld>
             <a:endParaRPr lang="en-GB"/>
           </a:p>
@@ -5261,7 +5261,7 @@
           <a:p>
             <a:fld id="{2510991C-534D-4766-BDB3-463820CE304D}" type="datetimeFigureOut">
               <a:rPr lang="en-GB" smtClean="0"/>
-              <a:t>04/07/2017</a:t>
+              <a:t>05/07/2017</a:t>
             </a:fld>
             <a:endParaRPr lang="en-GB"/>
           </a:p>
@@ -5356,7 +5356,7 @@
           <a:p>
             <a:fld id="{2510991C-534D-4766-BDB3-463820CE304D}" type="datetimeFigureOut">
               <a:rPr lang="en-GB" smtClean="0"/>
-              <a:t>04/07/2017</a:t>
+              <a:t>05/07/2017</a:t>
             </a:fld>
             <a:endParaRPr lang="en-GB"/>
           </a:p>
@@ -5712,7 +5712,7 @@
           <a:p>
             <a:fld id="{2510991C-534D-4766-BDB3-463820CE304D}" type="datetimeFigureOut">
               <a:rPr lang="en-GB" smtClean="0"/>
-              <a:t>04/07/2017</a:t>
+              <a:t>05/07/2017</a:t>
             </a:fld>
             <a:endParaRPr lang="en-GB"/>
           </a:p>
@@ -6020,7 +6020,7 @@
           <a:p>
             <a:fld id="{2510991C-534D-4766-BDB3-463820CE304D}" type="datetimeFigureOut">
               <a:rPr lang="en-GB" smtClean="0"/>
-              <a:t>04/07/2017</a:t>
+              <a:t>05/07/2017</a:t>
             </a:fld>
             <a:endParaRPr lang="en-GB"/>
           </a:p>
@@ -6256,7 +6256,7 @@
           <a:p>
             <a:fld id="{2510991C-534D-4766-BDB3-463820CE304D}" type="datetimeFigureOut">
               <a:rPr lang="en-GB" smtClean="0"/>
-              <a:t>04/07/2017</a:t>
+              <a:t>05/07/2017</a:t>
             </a:fld>
             <a:endParaRPr lang="en-GB"/>
           </a:p>
@@ -7551,7 +7551,7 @@
                   </a:schemeClr>
                 </a:solidFill>
               </a:rPr>
-              <a:t>Interest: ????????????????</a:t>
+              <a:t>Interest: science, philosophy, politics</a:t>
             </a:r>
           </a:p>
         </p:txBody>
@@ -9742,18 +9742,18 @@
 
 <file path=customXml/item1.xml><?xml version="1.0" encoding="utf-8"?>
 <Control xmlns="http://schemas.microsoft.com/VisualStudio/2011/storyboarding/control">
-  <Id Name="System.Storyboarding.Backgrounds.DesktopTaskbar" Revision="1" Stencil="System.Storyboarding.Backgrounds" StencilVersion="0.1"/>
+  <Id Name="System.Storyboarding.Backgrounds.WebBrowser" Revision="1" Stencil="System.Storyboarding.Backgrounds" StencilVersion="0.1"/>
 </Control>
 </file>
 
 <file path=customXml/item2.xml><?xml version="1.0" encoding="utf-8"?>
 <Control xmlns="http://schemas.microsoft.com/VisualStudio/2011/storyboarding/control">
-  <Id Name="System.Storyboarding.Backgrounds.WebBrowser" Revision="1" Stencil="System.Storyboarding.Backgrounds" StencilVersion="0.1"/>
+  <Id Name="System.Storyboarding.Backgrounds.DesktopTaskbar" Revision="1" Stencil="System.Storyboarding.Backgrounds" StencilVersion="0.1"/>
 </Control>
 </file>
 
 <file path=customXml/itemProps1.xml><?xml version="1.0" encoding="utf-8"?>
-<ds:datastoreItem xmlns:ds="http://schemas.openxmlformats.org/officeDocument/2006/customXml" ds:itemID="{2F22A196-DEB6-43B5-ACAB-ACB66E18493F}">
+<ds:datastoreItem xmlns:ds="http://schemas.openxmlformats.org/officeDocument/2006/customXml" ds:itemID="{C0AA30DE-6CBB-4586-BA23-16B50AD7EE0A}">
   <ds:schemaRefs>
     <ds:schemaRef ds:uri="http://schemas.microsoft.com/VisualStudio/2011/storyboarding/control"/>
   </ds:schemaRefs>
@@ -9761,7 +9761,7 @@
 </file>
 
 <file path=customXml/itemProps2.xml><?xml version="1.0" encoding="utf-8"?>
-<ds:datastoreItem xmlns:ds="http://schemas.openxmlformats.org/officeDocument/2006/customXml" ds:itemID="{C0AA30DE-6CBB-4586-BA23-16B50AD7EE0A}">
+<ds:datastoreItem xmlns:ds="http://schemas.openxmlformats.org/officeDocument/2006/customXml" ds:itemID="{2F22A196-DEB6-43B5-ACAB-ACB66E18493F}">
   <ds:schemaRefs>
     <ds:schemaRef ds:uri="http://schemas.microsoft.com/VisualStudio/2011/storyboarding/control"/>
   </ds:schemaRefs>
